--- a/Introducción a CSS.pptx
+++ b/Introducción a CSS.pptx
@@ -23,6 +23,9 @@
     <p:sldId id="271" r:id="rId17"/>
     <p:sldId id="272" r:id="rId18"/>
     <p:sldId id="273" r:id="rId19"/>
+    <p:sldId id="274" r:id="rId20"/>
+    <p:sldId id="275" r:id="rId21"/>
+    <p:sldId id="276" r:id="rId22"/>
   </p:sldIdLst>
   <p:sldSz cx="12192000" cy="6858000"/>
   <p:notesSz cx="6858000" cy="9144000"/>
@@ -121,6 +124,11 @@
       </a:defRPr>
     </a:lvl9pPr>
   </p:defaultTextStyle>
+  <p:extLst>
+    <p:ext uri="{EFAFB233-063F-42B5-8137-9DF3F51BA10A}">
+      <p15:sldGuideLst xmlns:p15="http://schemas.microsoft.com/office/powerpoint/2012/main"/>
+    </p:ext>
+  </p:extLst>
 </p:presentation>
 </file>
 
@@ -273,7 +281,7 @@
           <a:p>
             <a:fld id="{095C5964-E51C-4580-A0B2-AD99D9C92773}" type="datetimeFigureOut">
               <a:rPr lang="es-MX" smtClean="0"/>
-              <a:t>09/12/2019</a:t>
+              <a:t>10/12/2019</a:t>
             </a:fld>
             <a:endParaRPr lang="es-MX"/>
           </a:p>
@@ -473,7 +481,7 @@
           <a:p>
             <a:fld id="{095C5964-E51C-4580-A0B2-AD99D9C92773}" type="datetimeFigureOut">
               <a:rPr lang="es-MX" smtClean="0"/>
-              <a:t>09/12/2019</a:t>
+              <a:t>10/12/2019</a:t>
             </a:fld>
             <a:endParaRPr lang="es-MX"/>
           </a:p>
@@ -683,7 +691,7 @@
           <a:p>
             <a:fld id="{095C5964-E51C-4580-A0B2-AD99D9C92773}" type="datetimeFigureOut">
               <a:rPr lang="es-MX" smtClean="0"/>
-              <a:t>09/12/2019</a:t>
+              <a:t>10/12/2019</a:t>
             </a:fld>
             <a:endParaRPr lang="es-MX"/>
           </a:p>
@@ -883,7 +891,7 @@
           <a:p>
             <a:fld id="{095C5964-E51C-4580-A0B2-AD99D9C92773}" type="datetimeFigureOut">
               <a:rPr lang="es-MX" smtClean="0"/>
-              <a:t>09/12/2019</a:t>
+              <a:t>10/12/2019</a:t>
             </a:fld>
             <a:endParaRPr lang="es-MX"/>
           </a:p>
@@ -1159,7 +1167,7 @@
           <a:p>
             <a:fld id="{095C5964-E51C-4580-A0B2-AD99D9C92773}" type="datetimeFigureOut">
               <a:rPr lang="es-MX" smtClean="0"/>
-              <a:t>09/12/2019</a:t>
+              <a:t>10/12/2019</a:t>
             </a:fld>
             <a:endParaRPr lang="es-MX"/>
           </a:p>
@@ -1427,7 +1435,7 @@
           <a:p>
             <a:fld id="{095C5964-E51C-4580-A0B2-AD99D9C92773}" type="datetimeFigureOut">
               <a:rPr lang="es-MX" smtClean="0"/>
-              <a:t>09/12/2019</a:t>
+              <a:t>10/12/2019</a:t>
             </a:fld>
             <a:endParaRPr lang="es-MX"/>
           </a:p>
@@ -1842,7 +1850,7 @@
           <a:p>
             <a:fld id="{095C5964-E51C-4580-A0B2-AD99D9C92773}" type="datetimeFigureOut">
               <a:rPr lang="es-MX" smtClean="0"/>
-              <a:t>09/12/2019</a:t>
+              <a:t>10/12/2019</a:t>
             </a:fld>
             <a:endParaRPr lang="es-MX"/>
           </a:p>
@@ -1984,7 +1992,7 @@
           <a:p>
             <a:fld id="{095C5964-E51C-4580-A0B2-AD99D9C92773}" type="datetimeFigureOut">
               <a:rPr lang="es-MX" smtClean="0"/>
-              <a:t>09/12/2019</a:t>
+              <a:t>10/12/2019</a:t>
             </a:fld>
             <a:endParaRPr lang="es-MX"/>
           </a:p>
@@ -2097,7 +2105,7 @@
           <a:p>
             <a:fld id="{095C5964-E51C-4580-A0B2-AD99D9C92773}" type="datetimeFigureOut">
               <a:rPr lang="es-MX" smtClean="0"/>
-              <a:t>09/12/2019</a:t>
+              <a:t>10/12/2019</a:t>
             </a:fld>
             <a:endParaRPr lang="es-MX"/>
           </a:p>
@@ -2410,7 +2418,7 @@
           <a:p>
             <a:fld id="{095C5964-E51C-4580-A0B2-AD99D9C92773}" type="datetimeFigureOut">
               <a:rPr lang="es-MX" smtClean="0"/>
-              <a:t>09/12/2019</a:t>
+              <a:t>10/12/2019</a:t>
             </a:fld>
             <a:endParaRPr lang="es-MX"/>
           </a:p>
@@ -2699,7 +2707,7 @@
           <a:p>
             <a:fld id="{095C5964-E51C-4580-A0B2-AD99D9C92773}" type="datetimeFigureOut">
               <a:rPr lang="es-MX" smtClean="0"/>
-              <a:t>09/12/2019</a:t>
+              <a:t>10/12/2019</a:t>
             </a:fld>
             <a:endParaRPr lang="es-MX"/>
           </a:p>
@@ -2942,7 +2950,7 @@
           <a:p>
             <a:fld id="{095C5964-E51C-4580-A0B2-AD99D9C92773}" type="datetimeFigureOut">
               <a:rPr lang="es-MX" smtClean="0"/>
-              <a:t>09/12/2019</a:t>
+              <a:t>10/12/2019</a:t>
             </a:fld>
             <a:endParaRPr lang="es-MX"/>
           </a:p>
@@ -3433,7 +3441,19 @@
           <a:lstStyle/>
           <a:p>
             <a:r>
-              <a:rPr lang="es-MX" dirty="0"/>
+              <a:rPr lang="es-MX" b="1" dirty="0">
+                <a:solidFill>
+                  <a:schemeClr val="bg1"/>
+                </a:solidFill>
+                <a:effectLst>
+                  <a:outerShdw blurRad="38100" dist="38100" dir="2700000" algn="tl">
+                    <a:srgbClr val="000000">
+                      <a:alpha val="43137"/>
+                    </a:srgbClr>
+                  </a:outerShdw>
+                </a:effectLst>
+                <a:latin typeface="Arial Black" panose="020B0A04020102020204" pitchFamily="34" charset="0"/>
+              </a:rPr>
               <a:t>Introducción a CSS</a:t>
             </a:r>
           </a:p>
@@ -4996,14 +5016,223 @@
           <a:bodyPr/>
           <a:lstStyle/>
           <a:p>
-            <a:endParaRPr lang="es-MX" dirty="0"/>
-          </a:p>
-        </p:txBody>
-      </p:sp>
+            <a:r>
+              <a:rPr lang="es-MX" dirty="0"/>
+              <a:t>Permiten disponer de una precisión total al seleccionar los elementos. Además, puedes reutilizar los mismos estilos para varios elementos diferentes.</a:t>
+            </a:r>
+          </a:p>
+        </p:txBody>
+      </p:sp>
+      <p:pic>
+        <p:nvPicPr>
+          <p:cNvPr id="4" name="Imagen 3">
+            <a:extLst>
+              <a:ext uri="{FF2B5EF4-FFF2-40B4-BE49-F238E27FC236}">
+                <a16:creationId xmlns:a16="http://schemas.microsoft.com/office/drawing/2014/main" id="{998A553A-6EAD-4346-A740-613DB5C3FF24}"/>
+              </a:ext>
+            </a:extLst>
+          </p:cNvPr>
+          <p:cNvPicPr>
+            <a:picLocks noChangeAspect="1"/>
+          </p:cNvPicPr>
+          <p:nvPr/>
+        </p:nvPicPr>
+        <p:blipFill>
+          <a:blip r:embed="rId2"/>
+          <a:stretch>
+            <a:fillRect/>
+          </a:stretch>
+        </p:blipFill>
+        <p:spPr>
+          <a:xfrm>
+            <a:off x="390525" y="5704481"/>
+            <a:ext cx="5257800" cy="485775"/>
+          </a:xfrm>
+          <a:prstGeom prst="rect">
+            <a:avLst/>
+          </a:prstGeom>
+        </p:spPr>
+      </p:pic>
+      <p:pic>
+        <p:nvPicPr>
+          <p:cNvPr id="5" name="Imagen 4">
+            <a:extLst>
+              <a:ext uri="{FF2B5EF4-FFF2-40B4-BE49-F238E27FC236}">
+                <a16:creationId xmlns:a16="http://schemas.microsoft.com/office/drawing/2014/main" id="{BBC535C2-DF29-4864-999F-0FA4E1E161EE}"/>
+              </a:ext>
+            </a:extLst>
+          </p:cNvPr>
+          <p:cNvPicPr>
+            <a:picLocks noChangeAspect="1"/>
+          </p:cNvPicPr>
+          <p:nvPr/>
+        </p:nvPicPr>
+        <p:blipFill>
+          <a:blip r:embed="rId3"/>
+          <a:stretch>
+            <a:fillRect/>
+          </a:stretch>
+        </p:blipFill>
+        <p:spPr>
+          <a:xfrm>
+            <a:off x="390525" y="3121149"/>
+            <a:ext cx="11410950" cy="2266950"/>
+          </a:xfrm>
+          <a:prstGeom prst="rect">
+            <a:avLst/>
+          </a:prstGeom>
+        </p:spPr>
+      </p:pic>
     </p:spTree>
     <p:extLst>
       <p:ext uri="{BB962C8B-B14F-4D97-AF65-F5344CB8AC3E}">
         <p14:creationId xmlns:p14="http://schemas.microsoft.com/office/powerpoint/2010/main" val="1677802672"/>
+      </p:ext>
+    </p:extLst>
+  </p:cSld>
+  <p:clrMapOvr>
+    <a:masterClrMapping/>
+  </p:clrMapOvr>
+</p:sld>
+</file>
+
+<file path=ppt/slides/slide19.xml><?xml version="1.0" encoding="utf-8"?>
+<p:sld xmlns:a="http://schemas.openxmlformats.org/drawingml/2006/main" xmlns:r="http://schemas.openxmlformats.org/officeDocument/2006/relationships" xmlns:p="http://schemas.openxmlformats.org/presentationml/2006/main">
+  <p:cSld>
+    <p:spTree>
+      <p:nvGrpSpPr>
+        <p:cNvPr id="1" name=""/>
+        <p:cNvGrpSpPr/>
+        <p:nvPr/>
+      </p:nvGrpSpPr>
+      <p:grpSpPr>
+        <a:xfrm>
+          <a:off x="0" y="0"/>
+          <a:ext cx="0" cy="0"/>
+          <a:chOff x="0" y="0"/>
+          <a:chExt cx="0" cy="0"/>
+        </a:xfrm>
+      </p:grpSpPr>
+      <p:sp>
+        <p:nvSpPr>
+          <p:cNvPr id="2" name="Título 1">
+            <a:extLst>
+              <a:ext uri="{FF2B5EF4-FFF2-40B4-BE49-F238E27FC236}">
+                <a16:creationId xmlns:a16="http://schemas.microsoft.com/office/drawing/2014/main" id="{34AA50E2-D93F-42AC-B944-0128757C554E}"/>
+              </a:ext>
+            </a:extLst>
+          </p:cNvPr>
+          <p:cNvSpPr>
+            <a:spLocks noGrp="1"/>
+          </p:cNvSpPr>
+          <p:nvPr>
+            <p:ph type="title"/>
+          </p:nvPr>
+        </p:nvSpPr>
+        <p:spPr/>
+        <p:txBody>
+          <a:bodyPr/>
+          <a:lstStyle/>
+          <a:p>
+            <a:r>
+              <a:rPr lang="es-MX" dirty="0"/>
+              <a:t>Selectores de ID</a:t>
+            </a:r>
+          </a:p>
+        </p:txBody>
+      </p:sp>
+      <p:sp>
+        <p:nvSpPr>
+          <p:cNvPr id="3" name="Marcador de contenido 2">
+            <a:extLst>
+              <a:ext uri="{FF2B5EF4-FFF2-40B4-BE49-F238E27FC236}">
+                <a16:creationId xmlns:a16="http://schemas.microsoft.com/office/drawing/2014/main" id="{A050B66F-015C-490E-9831-A086F2B746BD}"/>
+              </a:ext>
+            </a:extLst>
+          </p:cNvPr>
+          <p:cNvSpPr>
+            <a:spLocks noGrp="1"/>
+          </p:cNvSpPr>
+          <p:nvPr>
+            <p:ph idx="1"/>
+          </p:nvPr>
+        </p:nvSpPr>
+        <p:spPr/>
+        <p:txBody>
+          <a:bodyPr/>
+          <a:lstStyle/>
+          <a:p>
+            <a:r>
+              <a:rPr lang="es-MX" dirty="0"/>
+              <a:t>Permite seleccionar un elemento de la página a través del valor de su atributo id; el valor del atributo id no se puede repetir en dos elementos diferentes de una misma página.</a:t>
+            </a:r>
+          </a:p>
+        </p:txBody>
+      </p:sp>
+      <p:pic>
+        <p:nvPicPr>
+          <p:cNvPr id="7" name="Imagen 6">
+            <a:extLst>
+              <a:ext uri="{FF2B5EF4-FFF2-40B4-BE49-F238E27FC236}">
+                <a16:creationId xmlns:a16="http://schemas.microsoft.com/office/drawing/2014/main" id="{B67CB86D-A214-46A9-BCA0-63EA2240DDC2}"/>
+              </a:ext>
+            </a:extLst>
+          </p:cNvPr>
+          <p:cNvPicPr>
+            <a:picLocks noChangeAspect="1"/>
+          </p:cNvPicPr>
+          <p:nvPr/>
+        </p:nvPicPr>
+        <p:blipFill>
+          <a:blip r:embed="rId2"/>
+          <a:stretch>
+            <a:fillRect/>
+          </a:stretch>
+        </p:blipFill>
+        <p:spPr>
+          <a:xfrm>
+            <a:off x="838200" y="5835650"/>
+            <a:ext cx="5267325" cy="476250"/>
+          </a:xfrm>
+          <a:prstGeom prst="rect">
+            <a:avLst/>
+          </a:prstGeom>
+        </p:spPr>
+      </p:pic>
+      <p:pic>
+        <p:nvPicPr>
+          <p:cNvPr id="8" name="Imagen 7">
+            <a:extLst>
+              <a:ext uri="{FF2B5EF4-FFF2-40B4-BE49-F238E27FC236}">
+                <a16:creationId xmlns:a16="http://schemas.microsoft.com/office/drawing/2014/main" id="{3F81E93B-2A5A-4E0D-B8ED-5DBF0DBC2354}"/>
+              </a:ext>
+            </a:extLst>
+          </p:cNvPr>
+          <p:cNvPicPr>
+            <a:picLocks noChangeAspect="1"/>
+          </p:cNvPicPr>
+          <p:nvPr/>
+        </p:nvPicPr>
+        <p:blipFill>
+          <a:blip r:embed="rId3"/>
+          <a:stretch>
+            <a:fillRect/>
+          </a:stretch>
+        </p:blipFill>
+        <p:spPr>
+          <a:xfrm>
+            <a:off x="838200" y="3301892"/>
+            <a:ext cx="7972425" cy="2247900"/>
+          </a:xfrm>
+          <a:prstGeom prst="rect">
+            <a:avLst/>
+          </a:prstGeom>
+        </p:spPr>
+      </p:pic>
+    </p:spTree>
+    <p:extLst>
+      <p:ext uri="{BB962C8B-B14F-4D97-AF65-F5344CB8AC3E}">
+        <p14:creationId xmlns:p14="http://schemas.microsoft.com/office/powerpoint/2010/main" val="3798739142"/>
       </p:ext>
     </p:extLst>
   </p:cSld>
@@ -5201,6 +5430,239 @@
     <p:extLst>
       <p:ext uri="{BB962C8B-B14F-4D97-AF65-F5344CB8AC3E}">
         <p14:creationId xmlns:p14="http://schemas.microsoft.com/office/powerpoint/2010/main" val="227692666"/>
+      </p:ext>
+    </p:extLst>
+  </p:cSld>
+  <p:clrMapOvr>
+    <a:masterClrMapping/>
+  </p:clrMapOvr>
+</p:sld>
+</file>
+
+<file path=ppt/slides/slide20.xml><?xml version="1.0" encoding="utf-8"?>
+<p:sld xmlns:a="http://schemas.openxmlformats.org/drawingml/2006/main" xmlns:r="http://schemas.openxmlformats.org/officeDocument/2006/relationships" xmlns:p="http://schemas.openxmlformats.org/presentationml/2006/main">
+  <p:cSld>
+    <p:spTree>
+      <p:nvGrpSpPr>
+        <p:cNvPr id="1" name=""/>
+        <p:cNvGrpSpPr/>
+        <p:nvPr/>
+      </p:nvGrpSpPr>
+      <p:grpSpPr>
+        <a:xfrm>
+          <a:off x="0" y="0"/>
+          <a:ext cx="0" cy="0"/>
+          <a:chOff x="0" y="0"/>
+          <a:chExt cx="0" cy="0"/>
+        </a:xfrm>
+      </p:grpSpPr>
+      <p:sp>
+        <p:nvSpPr>
+          <p:cNvPr id="2" name="Título 1">
+            <a:extLst>
+              <a:ext uri="{FF2B5EF4-FFF2-40B4-BE49-F238E27FC236}">
+                <a16:creationId xmlns:a16="http://schemas.microsoft.com/office/drawing/2014/main" id="{C18DAFFE-42BE-4537-A9DF-132D637487C5}"/>
+              </a:ext>
+            </a:extLst>
+          </p:cNvPr>
+          <p:cNvSpPr>
+            <a:spLocks noGrp="1"/>
+          </p:cNvSpPr>
+          <p:nvPr>
+            <p:ph type="title"/>
+          </p:nvPr>
+        </p:nvSpPr>
+        <p:spPr/>
+        <p:txBody>
+          <a:bodyPr/>
+          <a:lstStyle/>
+          <a:p>
+            <a:r>
+              <a:rPr lang="es-MX" dirty="0"/>
+              <a:t>Herencia en CSS</a:t>
+            </a:r>
+          </a:p>
+        </p:txBody>
+      </p:sp>
+      <p:pic>
+        <p:nvPicPr>
+          <p:cNvPr id="4" name="Marcador de contenido 3">
+            <a:extLst>
+              <a:ext uri="{FF2B5EF4-FFF2-40B4-BE49-F238E27FC236}">
+                <a16:creationId xmlns:a16="http://schemas.microsoft.com/office/drawing/2014/main" id="{B490A044-A93D-49CB-B3FC-7AD32F18EE74}"/>
+              </a:ext>
+            </a:extLst>
+          </p:cNvPr>
+          <p:cNvPicPr>
+            <a:picLocks noGrp="1" noChangeAspect="1"/>
+          </p:cNvPicPr>
+          <p:nvPr>
+            <p:ph idx="1"/>
+          </p:nvPr>
+        </p:nvPicPr>
+        <p:blipFill>
+          <a:blip r:embed="rId2"/>
+          <a:stretch>
+            <a:fillRect/>
+          </a:stretch>
+        </p:blipFill>
+        <p:spPr>
+          <a:xfrm>
+            <a:off x="838200" y="1554894"/>
+            <a:ext cx="8286750" cy="3152775"/>
+          </a:xfrm>
+          <a:prstGeom prst="rect">
+            <a:avLst/>
+          </a:prstGeom>
+        </p:spPr>
+      </p:pic>
+      <p:pic>
+        <p:nvPicPr>
+          <p:cNvPr id="5" name="Imagen 4">
+            <a:extLst>
+              <a:ext uri="{FF2B5EF4-FFF2-40B4-BE49-F238E27FC236}">
+                <a16:creationId xmlns:a16="http://schemas.microsoft.com/office/drawing/2014/main" id="{6EA8D997-0281-4A87-9D01-54B21D1761D5}"/>
+              </a:ext>
+            </a:extLst>
+          </p:cNvPr>
+          <p:cNvPicPr>
+            <a:picLocks noChangeAspect="1"/>
+          </p:cNvPicPr>
+          <p:nvPr/>
+        </p:nvPicPr>
+        <p:blipFill>
+          <a:blip r:embed="rId3"/>
+          <a:stretch>
+            <a:fillRect/>
+          </a:stretch>
+        </p:blipFill>
+        <p:spPr>
+          <a:xfrm>
+            <a:off x="8099765" y="4902200"/>
+            <a:ext cx="2552700" cy="1590675"/>
+          </a:xfrm>
+          <a:prstGeom prst="rect">
+            <a:avLst/>
+          </a:prstGeom>
+        </p:spPr>
+      </p:pic>
+      <p:pic>
+        <p:nvPicPr>
+          <p:cNvPr id="6" name="Imagen 5">
+            <a:extLst>
+              <a:ext uri="{FF2B5EF4-FFF2-40B4-BE49-F238E27FC236}">
+                <a16:creationId xmlns:a16="http://schemas.microsoft.com/office/drawing/2014/main" id="{7A6807E6-2C3F-48EE-ADE7-398409B911C8}"/>
+              </a:ext>
+            </a:extLst>
+          </p:cNvPr>
+          <p:cNvPicPr>
+            <a:picLocks noChangeAspect="1"/>
+          </p:cNvPicPr>
+          <p:nvPr/>
+        </p:nvPicPr>
+        <p:blipFill>
+          <a:blip r:embed="rId4"/>
+          <a:stretch>
+            <a:fillRect/>
+          </a:stretch>
+        </p:blipFill>
+        <p:spPr>
+          <a:xfrm>
+            <a:off x="838200" y="5500593"/>
+            <a:ext cx="4714875" cy="561975"/>
+          </a:xfrm>
+          <a:prstGeom prst="rect">
+            <a:avLst/>
+          </a:prstGeom>
+        </p:spPr>
+      </p:pic>
+    </p:spTree>
+    <p:extLst>
+      <p:ext uri="{BB962C8B-B14F-4D97-AF65-F5344CB8AC3E}">
+        <p14:creationId xmlns:p14="http://schemas.microsoft.com/office/powerpoint/2010/main" val="2781303925"/>
+      </p:ext>
+    </p:extLst>
+  </p:cSld>
+  <p:clrMapOvr>
+    <a:masterClrMapping/>
+  </p:clrMapOvr>
+</p:sld>
+</file>
+
+<file path=ppt/slides/slide21.xml><?xml version="1.0" encoding="utf-8"?>
+<p:sld xmlns:a="http://schemas.openxmlformats.org/drawingml/2006/main" xmlns:r="http://schemas.openxmlformats.org/officeDocument/2006/relationships" xmlns:p="http://schemas.openxmlformats.org/presentationml/2006/main">
+  <p:cSld>
+    <p:spTree>
+      <p:nvGrpSpPr>
+        <p:cNvPr id="1" name=""/>
+        <p:cNvGrpSpPr/>
+        <p:nvPr/>
+      </p:nvGrpSpPr>
+      <p:grpSpPr>
+        <a:xfrm>
+          <a:off x="0" y="0"/>
+          <a:ext cx="0" cy="0"/>
+          <a:chOff x="0" y="0"/>
+          <a:chExt cx="0" cy="0"/>
+        </a:xfrm>
+      </p:grpSpPr>
+      <p:sp>
+        <p:nvSpPr>
+          <p:cNvPr id="2" name="Título 1">
+            <a:extLst>
+              <a:ext uri="{FF2B5EF4-FFF2-40B4-BE49-F238E27FC236}">
+                <a16:creationId xmlns:a16="http://schemas.microsoft.com/office/drawing/2014/main" id="{CBD5661B-C169-4F39-9B91-68D5BD7112D0}"/>
+              </a:ext>
+            </a:extLst>
+          </p:cNvPr>
+          <p:cNvSpPr>
+            <a:spLocks noGrp="1"/>
+          </p:cNvSpPr>
+          <p:nvPr>
+            <p:ph type="title"/>
+          </p:nvPr>
+        </p:nvSpPr>
+        <p:spPr/>
+        <p:txBody>
+          <a:bodyPr/>
+          <a:lstStyle/>
+          <a:p>
+            <a:r>
+              <a:rPr lang="es-MX" dirty="0"/>
+              <a:t>Cascada en CSS</a:t>
+            </a:r>
+          </a:p>
+        </p:txBody>
+      </p:sp>
+      <p:sp>
+        <p:nvSpPr>
+          <p:cNvPr id="3" name="Marcador de contenido 2">
+            <a:extLst>
+              <a:ext uri="{FF2B5EF4-FFF2-40B4-BE49-F238E27FC236}">
+                <a16:creationId xmlns:a16="http://schemas.microsoft.com/office/drawing/2014/main" id="{50FF3F00-E373-43AA-9505-7756E51C0B27}"/>
+              </a:ext>
+            </a:extLst>
+          </p:cNvPr>
+          <p:cNvSpPr>
+            <a:spLocks noGrp="1"/>
+          </p:cNvSpPr>
+          <p:nvPr>
+            <p:ph idx="1"/>
+          </p:nvPr>
+        </p:nvSpPr>
+        <p:spPr/>
+        <p:txBody>
+          <a:bodyPr/>
+          <a:lstStyle/>
+          <a:p>
+            <a:endParaRPr lang="es-MX" dirty="0"/>
+          </a:p>
+        </p:txBody>
+      </p:sp>
+    </p:spTree>
+    <p:extLst>
+      <p:ext uri="{BB962C8B-B14F-4D97-AF65-F5344CB8AC3E}">
+        <p14:creationId xmlns:p14="http://schemas.microsoft.com/office/powerpoint/2010/main" val="861071290"/>
       </p:ext>
     </p:extLst>
   </p:cSld>
